--- a/TeamSusPPT.pptx
+++ b/TeamSusPPT.pptx
@@ -5,7 +5,7 @@
     <p:sldMasterId id="2147483648" r:id="rId1"/>
   </p:sldMasterIdLst>
   <p:notesMasterIdLst>
-    <p:notesMasterId r:id="rId10"/>
+    <p:notesMasterId r:id="rId11"/>
   </p:notesMasterIdLst>
   <p:sldIdLst>
     <p:sldId id="256" r:id="rId2"/>
@@ -15,7 +15,8 @@
     <p:sldId id="259" r:id="rId6"/>
     <p:sldId id="261" r:id="rId7"/>
     <p:sldId id="262" r:id="rId8"/>
-    <p:sldId id="263" r:id="rId9"/>
+    <p:sldId id="265" r:id="rId9"/>
+    <p:sldId id="263" r:id="rId10"/>
   </p:sldIdLst>
   <p:sldSz cx="12192000" cy="6858000"/>
   <p:notesSz cx="6858000" cy="9144000"/>
@@ -34559,6 +34560,191 @@
       </p:grpSpPr>
       <p:sp>
         <p:nvSpPr>
+          <p:cNvPr id="15" name="Rectangle 14">
+            <a:extLst>
+              <a:ext uri="{FF2B5EF4-FFF2-40B4-BE49-F238E27FC236}">
+                <a16:creationId xmlns:a16="http://schemas.microsoft.com/office/drawing/2014/main" id="{9228552E-C8B1-4A80-8448-0787CE0FC704}"/>
+              </a:ext>
+              <a:ext uri="{C183D7F6-B498-43B3-948B-1728B52AA6E4}">
+                <adec:decorative xmlns:adec="http://schemas.microsoft.com/office/drawing/2017/decorative" val="1"/>
+              </a:ext>
+            </a:extLst>
+          </p:cNvPr>
+          <p:cNvSpPr>
+            <a:spLocks noGrp="1" noRot="1" noChangeAspect="1" noMove="1" noResize="1" noEditPoints="1" noAdjustHandles="1" noChangeArrowheads="1" noChangeShapeType="1" noTextEdit="1"/>
+          </p:cNvSpPr>
+          <p:nvPr>
+            <p:extLst>
+              <p:ext uri="{386F3935-93C4-4BCD-93E2-E3B085C9AB24}">
+                <p16:designElem xmlns:p16="http://schemas.microsoft.com/office/powerpoint/2015/main" val="1"/>
+              </p:ext>
+            </p:extLst>
+          </p:nvPr>
+        </p:nvSpPr>
+        <p:spPr>
+          <a:xfrm>
+            <a:off x="0" y="0"/>
+            <a:ext cx="12192000" cy="6858000"/>
+          </a:xfrm>
+          <a:prstGeom prst="rect">
+            <a:avLst/>
+          </a:prstGeom>
+          <a:solidFill>
+            <a:srgbClr val="000000"/>
+          </a:solidFill>
+          <a:ln>
+            <a:noFill/>
+          </a:ln>
+        </p:spPr>
+        <p:style>
+          <a:lnRef idx="2">
+            <a:schemeClr val="accent1">
+              <a:shade val="50000"/>
+            </a:schemeClr>
+          </a:lnRef>
+          <a:fillRef idx="1">
+            <a:schemeClr val="accent1"/>
+          </a:fillRef>
+          <a:effectRef idx="0">
+            <a:schemeClr val="accent1"/>
+          </a:effectRef>
+          <a:fontRef idx="minor">
+            <a:schemeClr val="lt1"/>
+          </a:fontRef>
+        </p:style>
+        <p:txBody>
+          <a:bodyPr rtlCol="0" anchor="ctr"/>
+          <a:lstStyle/>
+          <a:p>
+            <a:pPr algn="ctr"/>
+            <a:endParaRPr lang="en-US"/>
+          </a:p>
+        </p:txBody>
+      </p:sp>
+      <p:pic>
+        <p:nvPicPr>
+          <p:cNvPr id="11" name="Picture 10">
+            <a:extLst>
+              <a:ext uri="{FF2B5EF4-FFF2-40B4-BE49-F238E27FC236}">
+                <a16:creationId xmlns:a16="http://schemas.microsoft.com/office/drawing/2014/main" id="{5A9668F4-AE58-4D3A-84AA-71CDCBCD9D75}"/>
+              </a:ext>
+            </a:extLst>
+          </p:cNvPr>
+          <p:cNvPicPr>
+            <a:picLocks noChangeAspect="1"/>
+          </p:cNvPicPr>
+          <p:nvPr/>
+        </p:nvPicPr>
+        <p:blipFill rotWithShape="1">
+          <a:blip r:embed="rId2">
+            <a:alphaModFix amt="35000"/>
+          </a:blip>
+          <a:srcRect t="4463" b="14310"/>
+          <a:stretch/>
+        </p:blipFill>
+        <p:spPr>
+          <a:xfrm>
+            <a:off x="20" y="10"/>
+            <a:ext cx="12191980" cy="6857990"/>
+          </a:xfrm>
+          <a:prstGeom prst="rect">
+            <a:avLst/>
+          </a:prstGeom>
+        </p:spPr>
+      </p:pic>
+      <p:sp>
+        <p:nvSpPr>
+          <p:cNvPr id="7" name="Content Placeholder 6">
+            <a:extLst>
+              <a:ext uri="{FF2B5EF4-FFF2-40B4-BE49-F238E27FC236}">
+                <a16:creationId xmlns:a16="http://schemas.microsoft.com/office/drawing/2014/main" id="{C9816D09-E06D-40C7-8C5D-B4F4FB17C54C}"/>
+              </a:ext>
+            </a:extLst>
+          </p:cNvPr>
+          <p:cNvSpPr>
+            <a:spLocks noGrp="1"/>
+          </p:cNvSpPr>
+          <p:nvPr>
+            <p:ph idx="1"/>
+          </p:nvPr>
+        </p:nvSpPr>
+        <p:spPr/>
+        <p:txBody>
+          <a:bodyPr/>
+          <a:lstStyle/>
+          <a:p>
+            <a:pPr marL="0" indent="0">
+              <a:buNone/>
+            </a:pPr>
+            <a:r>
+              <a:rPr lang="en-US" dirty="0"/>
+              <a:t>Application Link</a:t>
+            </a:r>
+          </a:p>
+          <a:p>
+            <a:pPr marL="0" indent="0">
+              <a:buNone/>
+            </a:pPr>
+            <a:endParaRPr lang="en-US" dirty="0"/>
+          </a:p>
+          <a:p>
+            <a:pPr marL="0" indent="0">
+              <a:buNone/>
+            </a:pPr>
+            <a:r>
+              <a:rPr lang="en-US"/>
+              <a:t>https://video-codegreen.s3.amazonaws.com/Hackathon2019+-+Google+Chrome+2021-11-29+17-10-28.mp4</a:t>
+            </a:r>
+            <a:endParaRPr lang="en-US" dirty="0"/>
+          </a:p>
+          <a:p>
+            <a:pPr marL="0" indent="0">
+              <a:buNone/>
+            </a:pPr>
+            <a:endParaRPr lang="en-US" dirty="0"/>
+          </a:p>
+        </p:txBody>
+      </p:sp>
+    </p:spTree>
+    <p:extLst>
+      <p:ext uri="{BB962C8B-B14F-4D97-AF65-F5344CB8AC3E}">
+        <p14:creationId xmlns:p14="http://schemas.microsoft.com/office/powerpoint/2010/main" val="27904562"/>
+      </p:ext>
+    </p:extLst>
+  </p:cSld>
+  <p:clrMapOvr>
+    <a:overrideClrMapping bg1="dk1" tx1="lt1" bg2="dk2" tx2="lt2" accent1="accent1" accent2="accent2" accent3="accent3" accent4="accent4" accent5="accent5" accent6="accent6" hlink="hlink" folHlink="folHlink"/>
+  </p:clrMapOvr>
+</p:sld>
+</file>
+
+<file path=ppt/slides/slide9.xml><?xml version="1.0" encoding="utf-8"?>
+<p:sld xmlns:a="http://schemas.openxmlformats.org/drawingml/2006/main" xmlns:r="http://schemas.openxmlformats.org/officeDocument/2006/relationships" xmlns:p="http://schemas.openxmlformats.org/presentationml/2006/main">
+  <p:cSld>
+    <p:bg>
+      <p:bgPr>
+        <a:solidFill>
+          <a:schemeClr val="bg1"/>
+        </a:solidFill>
+        <a:effectLst/>
+      </p:bgPr>
+    </p:bg>
+    <p:spTree>
+      <p:nvGrpSpPr>
+        <p:cNvPr id="1" name=""/>
+        <p:cNvGrpSpPr/>
+        <p:nvPr/>
+      </p:nvGrpSpPr>
+      <p:grpSpPr>
+        <a:xfrm>
+          <a:off x="0" y="0"/>
+          <a:ext cx="0" cy="0"/>
+          <a:chOff x="0" y="0"/>
+          <a:chExt cx="0" cy="0"/>
+        </a:xfrm>
+      </p:grpSpPr>
+      <p:sp>
+        <p:nvSpPr>
           <p:cNvPr id="7" name="Rectangle 6">
             <a:extLst>
               <a:ext uri="{FF2B5EF4-FFF2-40B4-BE49-F238E27FC236}">

--- a/TeamSusPPT.pptx
+++ b/TeamSusPPT.pptx
@@ -34677,23 +34677,14 @@
               <a:buNone/>
             </a:pPr>
             <a:r>
-              <a:rPr lang="en-US" dirty="0"/>
-              <a:t>Application Link</a:t>
+              <a:rPr lang="en-US"/>
+              <a:t>Application Link </a:t>
             </a:r>
-          </a:p>
-          <a:p>
-            <a:pPr marL="0" indent="0">
-              <a:buNone/>
-            </a:pPr>
-            <a:endParaRPr lang="en-US" dirty="0"/>
-          </a:p>
-          <a:p>
-            <a:pPr marL="0" indent="0">
-              <a:buNone/>
-            </a:pPr>
             <a:r>
-              <a:rPr lang="en-US"/>
-              <a:t>https://video-codegreen.s3.amazonaws.com/Hackathon2019+-+Google+Chrome+2021-11-29+17-10-28.mp4</a:t>
+              <a:rPr lang="en-US">
+                <a:hlinkClick r:id="rId3"/>
+              </a:rPr>
+              <a:t>Video</a:t>
             </a:r>
             <a:endParaRPr lang="en-US" dirty="0"/>
           </a:p>
